--- a/Tableau/Tableau.pptx
+++ b/Tableau/Tableau.pptx
@@ -13,6 +13,8 @@
     <p:sldId id="261" r:id="rId7"/>
     <p:sldId id="262" r:id="rId8"/>
     <p:sldId id="263" r:id="rId9"/>
+    <p:sldId id="264" r:id="rId10"/>
+    <p:sldId id="265" r:id="rId11"/>
   </p:sldIdLst>
   <p:sldSz cx="12192000" cy="6858000"/>
   <p:notesSz cx="6858000" cy="9144000"/>
@@ -111,6 +113,11 @@
       </a:defRPr>
     </a:lvl9pPr>
   </p:defaultTextStyle>
+  <p:extLst>
+    <p:ext uri="{EFAFB233-063F-42B5-8137-9DF3F51BA10A}">
+      <p15:sldGuideLst xmlns:p15="http://schemas.microsoft.com/office/powerpoint/2012/main"/>
+    </p:ext>
+  </p:extLst>
 </p:presentation>
 </file>
 
@@ -5636,38 +5643,9 @@
 <p:sldMaster xmlns:a="http://schemas.openxmlformats.org/drawingml/2006/main" xmlns:r="http://schemas.openxmlformats.org/officeDocument/2006/relationships" xmlns:p="http://schemas.openxmlformats.org/presentationml/2006/main">
   <p:cSld>
     <p:bg>
-      <p:bgPr>
-        <a:gradFill>
-          <a:gsLst>
-            <a:gs pos="0">
-              <a:schemeClr val="accent1">
-                <a:lumMod val="5000"/>
-                <a:lumOff val="95000"/>
-              </a:schemeClr>
-            </a:gs>
-            <a:gs pos="74000">
-              <a:schemeClr val="accent1">
-                <a:lumMod val="45000"/>
-                <a:lumOff val="55000"/>
-              </a:schemeClr>
-            </a:gs>
-            <a:gs pos="83000">
-              <a:schemeClr val="accent1">
-                <a:lumMod val="45000"/>
-                <a:lumOff val="55000"/>
-              </a:schemeClr>
-            </a:gs>
-            <a:gs pos="100000">
-              <a:schemeClr val="accent1">
-                <a:lumMod val="30000"/>
-                <a:lumOff val="70000"/>
-              </a:schemeClr>
-            </a:gs>
-          </a:gsLst>
-          <a:lin ang="5400000" scaled="1"/>
-        </a:gradFill>
-        <a:effectLst/>
-      </p:bgPr>
+      <p:bgRef idx="1001">
+        <a:schemeClr val="bg1"/>
+      </p:bgRef>
     </p:bg>
     <p:spTree>
       <p:nvGrpSpPr>
@@ -6234,35 +6212,9 @@
   <p:cSld>
     <p:bg>
       <p:bgPr>
-        <a:gradFill>
-          <a:gsLst>
-            <a:gs pos="0">
-              <a:schemeClr val="accent1">
-                <a:lumMod val="5000"/>
-                <a:lumOff val="95000"/>
-              </a:schemeClr>
-            </a:gs>
-            <a:gs pos="74000">
-              <a:schemeClr val="accent1">
-                <a:lumMod val="45000"/>
-                <a:lumOff val="55000"/>
-              </a:schemeClr>
-            </a:gs>
-            <a:gs pos="83000">
-              <a:schemeClr val="accent1">
-                <a:lumMod val="45000"/>
-                <a:lumOff val="55000"/>
-              </a:schemeClr>
-            </a:gs>
-            <a:gs pos="100000">
-              <a:schemeClr val="accent1">
-                <a:lumMod val="30000"/>
-                <a:lumOff val="70000"/>
-              </a:schemeClr>
-            </a:gs>
-          </a:gsLst>
-          <a:lin ang="5400000" scaled="1"/>
-        </a:gradFill>
+        <a:solidFill>
+          <a:schemeClr val="bg1"/>
+        </a:solidFill>
         <a:effectLst/>
       </p:bgPr>
     </p:bg>
@@ -6312,6 +6264,137 @@
     <p:extLst>
       <p:ext uri="{BB962C8B-B14F-4D97-AF65-F5344CB8AC3E}">
         <p14:creationId xmlns:p14="http://schemas.microsoft.com/office/powerpoint/2010/main" val="3906969672"/>
+      </p:ext>
+    </p:extLst>
+  </p:cSld>
+  <p:clrMapOvr>
+    <a:masterClrMapping/>
+  </p:clrMapOvr>
+</p:sld>
+</file>
+
+<file path=ppt/slides/slide10.xml><?xml version="1.0" encoding="utf-8"?>
+<p:sld xmlns:a="http://schemas.openxmlformats.org/drawingml/2006/main" xmlns:r="http://schemas.openxmlformats.org/officeDocument/2006/relationships" xmlns:p="http://schemas.openxmlformats.org/presentationml/2006/main">
+  <p:cSld>
+    <p:spTree>
+      <p:nvGrpSpPr>
+        <p:cNvPr id="1" name=""/>
+        <p:cNvGrpSpPr/>
+        <p:nvPr/>
+      </p:nvGrpSpPr>
+      <p:grpSpPr>
+        <a:xfrm>
+          <a:off x="0" y="0"/>
+          <a:ext cx="0" cy="0"/>
+          <a:chOff x="0" y="0"/>
+          <a:chExt cx="0" cy="0"/>
+        </a:xfrm>
+      </p:grpSpPr>
+      <p:sp>
+        <p:nvSpPr>
+          <p:cNvPr id="2" name="Title 1">
+            <a:extLst>
+              <a:ext uri="{FF2B5EF4-FFF2-40B4-BE49-F238E27FC236}">
+                <a16:creationId xmlns:a16="http://schemas.microsoft.com/office/drawing/2014/main" id="{52845BA1-25B4-486F-A9BD-C5EF821FFD92}"/>
+              </a:ext>
+            </a:extLst>
+          </p:cNvPr>
+          <p:cNvSpPr>
+            <a:spLocks noGrp="1"/>
+          </p:cNvSpPr>
+          <p:nvPr>
+            <p:ph type="title"/>
+          </p:nvPr>
+        </p:nvSpPr>
+        <p:spPr/>
+        <p:txBody>
+          <a:bodyPr/>
+          <a:lstStyle/>
+          <a:p>
+            <a:r>
+              <a:rPr lang="en-US" dirty="0"/>
+              <a:t>Live Example</a:t>
+            </a:r>
+          </a:p>
+        </p:txBody>
+      </p:sp>
+      <p:sp>
+        <p:nvSpPr>
+          <p:cNvPr id="3" name="Oval 2">
+            <a:extLst>
+              <a:ext uri="{FF2B5EF4-FFF2-40B4-BE49-F238E27FC236}">
+                <a16:creationId xmlns:a16="http://schemas.microsoft.com/office/drawing/2014/main" id="{62B44082-D365-463F-BFC5-4BE079939BE0}"/>
+              </a:ext>
+            </a:extLst>
+          </p:cNvPr>
+          <p:cNvSpPr/>
+          <p:nvPr/>
+        </p:nvSpPr>
+        <p:spPr>
+          <a:xfrm>
+            <a:off x="2734811" y="2162262"/>
+            <a:ext cx="6576969" cy="2533475"/>
+          </a:xfrm>
+          <a:prstGeom prst="ellipse">
+            <a:avLst/>
+          </a:prstGeom>
+          <a:solidFill>
+            <a:schemeClr val="accent1">
+              <a:lumMod val="20000"/>
+              <a:lumOff val="80000"/>
+            </a:schemeClr>
+          </a:solidFill>
+          <a:ln>
+            <a:noFill/>
+          </a:ln>
+          <a:effectLst>
+            <a:outerShdw blurRad="107950" dist="12700" dir="5400000" algn="ctr">
+              <a:srgbClr val="000000"/>
+            </a:outerShdw>
+          </a:effectLst>
+        </p:spPr>
+        <p:style>
+          <a:lnRef idx="2">
+            <a:schemeClr val="accent1">
+              <a:shade val="50000"/>
+            </a:schemeClr>
+          </a:lnRef>
+          <a:fillRef idx="1">
+            <a:schemeClr val="accent1"/>
+          </a:fillRef>
+          <a:effectRef idx="0">
+            <a:schemeClr val="accent1"/>
+          </a:effectRef>
+          <a:fontRef idx="minor">
+            <a:schemeClr val="lt1"/>
+          </a:fontRef>
+        </p:style>
+        <p:txBody>
+          <a:bodyPr rtlCol="0" anchor="ctr"/>
+          <a:lstStyle/>
+          <a:p>
+            <a:pPr algn="ctr"/>
+            <a:r>
+              <a:rPr lang="en-US" sz="3600" dirty="0">
+                <a:solidFill>
+                  <a:schemeClr val="tx1"/>
+                </a:solidFill>
+                <a:hlinkClick r:id="rId2"/>
+              </a:rPr>
+              <a:t>TRY ME</a:t>
+            </a:r>
+            <a:endParaRPr lang="en-US" sz="3600" dirty="0">
+              <a:solidFill>
+                <a:schemeClr val="tx1"/>
+              </a:solidFill>
+            </a:endParaRPr>
+          </a:p>
+        </p:txBody>
+      </p:sp>
+    </p:spTree>
+    <p:extLst>
+      <p:ext uri="{BB962C8B-B14F-4D97-AF65-F5344CB8AC3E}">
+        <p14:creationId xmlns:p14="http://schemas.microsoft.com/office/powerpoint/2010/main" val="1501675847"/>
       </p:ext>
     </p:extLst>
   </p:cSld>
@@ -8097,6 +8180,94 @@
     <p:extLst>
       <p:ext uri="{BB962C8B-B14F-4D97-AF65-F5344CB8AC3E}">
         <p14:creationId xmlns:p14="http://schemas.microsoft.com/office/powerpoint/2010/main" val="308697361"/>
+      </p:ext>
+    </p:extLst>
+  </p:cSld>
+  <p:clrMapOvr>
+    <a:masterClrMapping/>
+  </p:clrMapOvr>
+</p:sld>
+</file>
+
+<file path=ppt/slides/slide9.xml><?xml version="1.0" encoding="utf-8"?>
+<p:sld xmlns:a="http://schemas.openxmlformats.org/drawingml/2006/main" xmlns:r="http://schemas.openxmlformats.org/officeDocument/2006/relationships" xmlns:p="http://schemas.openxmlformats.org/presentationml/2006/main">
+  <p:cSld>
+    <p:spTree>
+      <p:nvGrpSpPr>
+        <p:cNvPr id="1" name=""/>
+        <p:cNvGrpSpPr/>
+        <p:nvPr/>
+      </p:nvGrpSpPr>
+      <p:grpSpPr>
+        <a:xfrm>
+          <a:off x="0" y="0"/>
+          <a:ext cx="0" cy="0"/>
+          <a:chOff x="0" y="0"/>
+          <a:chExt cx="0" cy="0"/>
+        </a:xfrm>
+      </p:grpSpPr>
+      <p:sp>
+        <p:nvSpPr>
+          <p:cNvPr id="2" name="Title 1">
+            <a:extLst>
+              <a:ext uri="{FF2B5EF4-FFF2-40B4-BE49-F238E27FC236}">
+                <a16:creationId xmlns:a16="http://schemas.microsoft.com/office/drawing/2014/main" id="{52845BA1-25B4-486F-A9BD-C5EF821FFD92}"/>
+              </a:ext>
+            </a:extLst>
+          </p:cNvPr>
+          <p:cNvSpPr>
+            <a:spLocks noGrp="1"/>
+          </p:cNvSpPr>
+          <p:nvPr>
+            <p:ph type="title"/>
+          </p:nvPr>
+        </p:nvSpPr>
+        <p:spPr/>
+        <p:txBody>
+          <a:bodyPr/>
+          <a:lstStyle/>
+          <a:p>
+            <a:r>
+              <a:rPr lang="en-US" dirty="0"/>
+              <a:t>Publishing</a:t>
+            </a:r>
+          </a:p>
+        </p:txBody>
+      </p:sp>
+      <p:pic>
+        <p:nvPicPr>
+          <p:cNvPr id="5" name="Picture 4">
+            <a:extLst>
+              <a:ext uri="{FF2B5EF4-FFF2-40B4-BE49-F238E27FC236}">
+                <a16:creationId xmlns:a16="http://schemas.microsoft.com/office/drawing/2014/main" id="{CB9B5030-C56A-40B8-B39B-7B5FF7E7EAF4}"/>
+              </a:ext>
+            </a:extLst>
+          </p:cNvPr>
+          <p:cNvPicPr>
+            <a:picLocks noChangeAspect="1"/>
+          </p:cNvPicPr>
+          <p:nvPr/>
+        </p:nvPicPr>
+        <p:blipFill>
+          <a:blip r:embed="rId2"/>
+          <a:stretch>
+            <a:fillRect/>
+          </a:stretch>
+        </p:blipFill>
+        <p:spPr>
+          <a:xfrm>
+            <a:off x="1610905" y="1739900"/>
+            <a:ext cx="8601075" cy="4752975"/>
+          </a:xfrm>
+          <a:prstGeom prst="rect">
+            <a:avLst/>
+          </a:prstGeom>
+        </p:spPr>
+      </p:pic>
+    </p:spTree>
+    <p:extLst>
+      <p:ext uri="{BB962C8B-B14F-4D97-AF65-F5344CB8AC3E}">
+        <p14:creationId xmlns:p14="http://schemas.microsoft.com/office/powerpoint/2010/main" val="690200921"/>
       </p:ext>
     </p:extLst>
   </p:cSld>

--- a/Tableau/Tableau.pptx
+++ b/Tableau/Tableau.pptx
@@ -4,6 +4,9 @@
   <p:sldMasterIdLst>
     <p:sldMasterId id="2147483648" r:id="rId1"/>
   </p:sldMasterIdLst>
+  <p:handoutMasterIdLst>
+    <p:handoutMasterId r:id="rId12"/>
+  </p:handoutMasterIdLst>
   <p:sldIdLst>
     <p:sldId id="256" r:id="rId2"/>
     <p:sldId id="257" r:id="rId3"/>
@@ -3010,6 +3013,195 @@
 </dgm:styleDef>
 </file>
 
+<file path=ppt/handoutMasters/handoutMaster1.xml><?xml version="1.0" encoding="utf-8"?>
+<p:handoutMaster xmlns:a="http://schemas.openxmlformats.org/drawingml/2006/main" xmlns:r="http://schemas.openxmlformats.org/officeDocument/2006/relationships" xmlns:p="http://schemas.openxmlformats.org/presentationml/2006/main">
+  <p:cSld>
+    <p:bg>
+      <p:bgRef idx="1001">
+        <a:schemeClr val="bg1"/>
+      </p:bgRef>
+    </p:bg>
+    <p:spTree>
+      <p:nvGrpSpPr>
+        <p:cNvPr id="1" name=""/>
+        <p:cNvGrpSpPr/>
+        <p:nvPr/>
+      </p:nvGrpSpPr>
+      <p:grpSpPr>
+        <a:xfrm>
+          <a:off x="0" y="0"/>
+          <a:ext cx="0" cy="0"/>
+          <a:chOff x="0" y="0"/>
+          <a:chExt cx="0" cy="0"/>
+        </a:xfrm>
+      </p:grpSpPr>
+      <p:sp>
+        <p:nvSpPr>
+          <p:cNvPr id="2" name="Header Placeholder 1">
+            <a:extLst>
+              <a:ext uri="{FF2B5EF4-FFF2-40B4-BE49-F238E27FC236}">
+                <a16:creationId xmlns:a16="http://schemas.microsoft.com/office/drawing/2014/main" id="{2101C4EC-9EB5-4BE3-85BE-1AEC8783C69F}"/>
+              </a:ext>
+            </a:extLst>
+          </p:cNvPr>
+          <p:cNvSpPr>
+            <a:spLocks noGrp="1"/>
+          </p:cNvSpPr>
+          <p:nvPr>
+            <p:ph type="hdr" sz="quarter"/>
+          </p:nvPr>
+        </p:nvSpPr>
+        <p:spPr>
+          <a:xfrm>
+            <a:off x="0" y="0"/>
+            <a:ext cx="2971800" cy="458788"/>
+          </a:xfrm>
+          <a:prstGeom prst="rect">
+            <a:avLst/>
+          </a:prstGeom>
+        </p:spPr>
+        <p:txBody>
+          <a:bodyPr vert="horz" lIns="91440" tIns="45720" rIns="91440" bIns="45720" rtlCol="0"/>
+          <a:lstStyle>
+            <a:lvl1pPr algn="l">
+              <a:defRPr sz="1200"/>
+            </a:lvl1pPr>
+          </a:lstStyle>
+          <a:p>
+            <a:endParaRPr lang="en-US"/>
+          </a:p>
+        </p:txBody>
+      </p:sp>
+      <p:sp>
+        <p:nvSpPr>
+          <p:cNvPr id="3" name="Date Placeholder 2">
+            <a:extLst>
+              <a:ext uri="{FF2B5EF4-FFF2-40B4-BE49-F238E27FC236}">
+                <a16:creationId xmlns:a16="http://schemas.microsoft.com/office/drawing/2014/main" id="{F944D60B-D590-4BCA-8A3F-49EF2705D98A}"/>
+              </a:ext>
+            </a:extLst>
+          </p:cNvPr>
+          <p:cNvSpPr>
+            <a:spLocks noGrp="1"/>
+          </p:cNvSpPr>
+          <p:nvPr>
+            <p:ph type="dt" sz="quarter" idx="1"/>
+          </p:nvPr>
+        </p:nvSpPr>
+        <p:spPr>
+          <a:xfrm>
+            <a:off x="3884613" y="0"/>
+            <a:ext cx="2971800" cy="458788"/>
+          </a:xfrm>
+          <a:prstGeom prst="rect">
+            <a:avLst/>
+          </a:prstGeom>
+        </p:spPr>
+        <p:txBody>
+          <a:bodyPr vert="horz" lIns="91440" tIns="45720" rIns="91440" bIns="45720" rtlCol="0"/>
+          <a:lstStyle>
+            <a:lvl1pPr algn="r">
+              <a:defRPr sz="1200"/>
+            </a:lvl1pPr>
+          </a:lstStyle>
+          <a:p>
+            <a:fld id="{5D05F7C6-F697-4ABD-BE2F-A0C76FBA6BCD}" type="datetimeFigureOut">
+              <a:rPr lang="en-US" smtClean="0"/>
+              <a:t>3/27/2022</a:t>
+            </a:fld>
+            <a:endParaRPr lang="en-US"/>
+          </a:p>
+        </p:txBody>
+      </p:sp>
+      <p:sp>
+        <p:nvSpPr>
+          <p:cNvPr id="4" name="Footer Placeholder 3">
+            <a:extLst>
+              <a:ext uri="{FF2B5EF4-FFF2-40B4-BE49-F238E27FC236}">
+                <a16:creationId xmlns:a16="http://schemas.microsoft.com/office/drawing/2014/main" id="{0F4B11CB-17F4-4691-A3B4-F8CD9E21100C}"/>
+              </a:ext>
+            </a:extLst>
+          </p:cNvPr>
+          <p:cNvSpPr>
+            <a:spLocks noGrp="1"/>
+          </p:cNvSpPr>
+          <p:nvPr>
+            <p:ph type="ftr" sz="quarter" idx="2"/>
+          </p:nvPr>
+        </p:nvSpPr>
+        <p:spPr>
+          <a:xfrm>
+            <a:off x="0" y="8685213"/>
+            <a:ext cx="2971800" cy="458787"/>
+          </a:xfrm>
+          <a:prstGeom prst="rect">
+            <a:avLst/>
+          </a:prstGeom>
+        </p:spPr>
+        <p:txBody>
+          <a:bodyPr vert="horz" lIns="91440" tIns="45720" rIns="91440" bIns="45720" rtlCol="0" anchor="b"/>
+          <a:lstStyle>
+            <a:lvl1pPr algn="l">
+              <a:defRPr sz="1200"/>
+            </a:lvl1pPr>
+          </a:lstStyle>
+          <a:p>
+            <a:endParaRPr lang="en-US"/>
+          </a:p>
+        </p:txBody>
+      </p:sp>
+      <p:sp>
+        <p:nvSpPr>
+          <p:cNvPr id="5" name="Slide Number Placeholder 4">
+            <a:extLst>
+              <a:ext uri="{FF2B5EF4-FFF2-40B4-BE49-F238E27FC236}">
+                <a16:creationId xmlns:a16="http://schemas.microsoft.com/office/drawing/2014/main" id="{D6C3EA65-FA45-4490-9077-94DA1A4A5DFC}"/>
+              </a:ext>
+            </a:extLst>
+          </p:cNvPr>
+          <p:cNvSpPr>
+            <a:spLocks noGrp="1"/>
+          </p:cNvSpPr>
+          <p:nvPr>
+            <p:ph type="sldNum" sz="quarter" idx="3"/>
+          </p:nvPr>
+        </p:nvSpPr>
+        <p:spPr>
+          <a:xfrm>
+            <a:off x="3884613" y="8685213"/>
+            <a:ext cx="2971800" cy="458787"/>
+          </a:xfrm>
+          <a:prstGeom prst="rect">
+            <a:avLst/>
+          </a:prstGeom>
+        </p:spPr>
+        <p:txBody>
+          <a:bodyPr vert="horz" lIns="91440" tIns="45720" rIns="91440" bIns="45720" rtlCol="0" anchor="b"/>
+          <a:lstStyle>
+            <a:lvl1pPr algn="r">
+              <a:defRPr sz="1200"/>
+            </a:lvl1pPr>
+          </a:lstStyle>
+          <a:p>
+            <a:fld id="{4DA263A3-53AD-48B4-A1D1-CCFAEEBC339A}" type="slidenum">
+              <a:rPr lang="en-US" smtClean="0"/>
+              <a:t>‹#›</a:t>
+            </a:fld>
+            <a:endParaRPr lang="en-US"/>
+          </a:p>
+        </p:txBody>
+      </p:sp>
+    </p:spTree>
+    <p:extLst>
+      <p:ext uri="{BB962C8B-B14F-4D97-AF65-F5344CB8AC3E}">
+        <p14:creationId xmlns:p14="http://schemas.microsoft.com/office/powerpoint/2010/main" val="696344091"/>
+      </p:ext>
+    </p:extLst>
+  </p:cSld>
+  <p:clrMap bg1="lt1" tx1="dk1" bg2="lt2" tx2="dk2" accent1="accent1" accent2="accent2" accent3="accent3" accent4="accent4" accent5="accent5" accent6="accent6" hlink="hlink" folHlink="folHlink"/>
+</p:handoutMaster>
+</file>
+
 <file path=ppt/slideLayouts/slideLayout1.xml><?xml version="1.0" encoding="utf-8"?>
 <p:sldLayout xmlns:a="http://schemas.openxmlformats.org/drawingml/2006/main" xmlns:r="http://schemas.openxmlformats.org/officeDocument/2006/relationships" xmlns:p="http://schemas.openxmlformats.org/presentationml/2006/main" type="title" preserve="1">
   <p:cSld name="Title Slide">
@@ -5643,9 +5835,12 @@
 <p:sldMaster xmlns:a="http://schemas.openxmlformats.org/drawingml/2006/main" xmlns:r="http://schemas.openxmlformats.org/officeDocument/2006/relationships" xmlns:p="http://schemas.openxmlformats.org/presentationml/2006/main">
   <p:cSld>
     <p:bg>
-      <p:bgRef idx="1001">
-        <a:schemeClr val="bg1"/>
-      </p:bgRef>
+      <p:bgPr>
+        <a:solidFill>
+          <a:schemeClr val="bg1"/>
+        </a:solidFill>
+        <a:effectLst/>
+      </p:bgPr>
     </p:bg>
     <p:spTree>
       <p:nvGrpSpPr>
@@ -5903,6 +6098,42 @@
           </a:p>
         </p:txBody>
       </p:sp>
+      <p:pic>
+        <p:nvPicPr>
+          <p:cNvPr id="8" name="Picture 7" descr="Text&#10;&#10;Description automatically generated">
+            <a:extLst>
+              <a:ext uri="{FF2B5EF4-FFF2-40B4-BE49-F238E27FC236}">
+                <a16:creationId xmlns:a16="http://schemas.microsoft.com/office/drawing/2014/main" id="{CF9E42CA-9AFC-47EF-A211-DBD2221BE41C}"/>
+              </a:ext>
+            </a:extLst>
+          </p:cNvPr>
+          <p:cNvPicPr>
+            <a:picLocks noChangeAspect="1"/>
+          </p:cNvPicPr>
+          <p:nvPr userDrawn="1"/>
+        </p:nvPicPr>
+        <p:blipFill>
+          <a:blip r:embed="rId13">
+            <a:extLst>
+              <a:ext uri="{28A0092B-C50C-407E-A947-70E740481C1C}">
+                <a14:useLocalDpi xmlns:a14="http://schemas.microsoft.com/office/drawing/2010/main" val="0"/>
+              </a:ext>
+            </a:extLst>
+          </a:blip>
+          <a:stretch>
+            <a:fillRect/>
+          </a:stretch>
+        </p:blipFill>
+        <p:spPr>
+          <a:xfrm>
+            <a:off x="10732655" y="435816"/>
+            <a:ext cx="996084" cy="261529"/>
+          </a:xfrm>
+          <a:prstGeom prst="rect">
+            <a:avLst/>
+          </a:prstGeom>
+        </p:spPr>
+      </p:pic>
     </p:spTree>
     <p:extLst>
       <p:ext uri="{BB962C8B-B14F-4D97-AF65-F5344CB8AC3E}">
@@ -8570,4 +8801,299 @@
     </a:ext>
   </a:extLst>
 </a:theme>
+</file>
+
+<file path=ppt/theme/theme2.xml><?xml version="1.0" encoding="utf-8"?>
+<a:theme xmlns:a="http://schemas.openxmlformats.org/drawingml/2006/main" name="Office Theme">
+  <a:themeElements>
+    <a:clrScheme name="Office">
+      <a:dk1>
+        <a:sysClr val="windowText" lastClr="000000"/>
+      </a:dk1>
+      <a:lt1>
+        <a:sysClr val="window" lastClr="FFFFFF"/>
+      </a:lt1>
+      <a:dk2>
+        <a:srgbClr val="44546A"/>
+      </a:dk2>
+      <a:lt2>
+        <a:srgbClr val="E7E6E6"/>
+      </a:lt2>
+      <a:accent1>
+        <a:srgbClr val="4472C4"/>
+      </a:accent1>
+      <a:accent2>
+        <a:srgbClr val="ED7D31"/>
+      </a:accent2>
+      <a:accent3>
+        <a:srgbClr val="A5A5A5"/>
+      </a:accent3>
+      <a:accent4>
+        <a:srgbClr val="FFC000"/>
+      </a:accent4>
+      <a:accent5>
+        <a:srgbClr val="5B9BD5"/>
+      </a:accent5>
+      <a:accent6>
+        <a:srgbClr val="70AD47"/>
+      </a:accent6>
+      <a:hlink>
+        <a:srgbClr val="0563C1"/>
+      </a:hlink>
+      <a:folHlink>
+        <a:srgbClr val="954F72"/>
+      </a:folHlink>
+    </a:clrScheme>
+    <a:fontScheme name="Office">
+      <a:majorFont>
+        <a:latin typeface="Calibri Light" panose="020F0302020204030204"/>
+        <a:ea typeface=""/>
+        <a:cs typeface=""/>
+        <a:font script="Jpan" typeface="游ゴシック Light"/>
+        <a:font script="Hang" typeface="맑은 고딕"/>
+        <a:font script="Hans" typeface="等线 Light"/>
+        <a:font script="Hant" typeface="新細明體"/>
+        <a:font script="Arab" typeface="Times New Roman"/>
+        <a:font script="Hebr" typeface="Times New Roman"/>
+        <a:font script="Thai" typeface="Angsana New"/>
+        <a:font script="Ethi" typeface="Nyala"/>
+        <a:font script="Beng" typeface="Vrinda"/>
+        <a:font script="Gujr" typeface="Shruti"/>
+        <a:font script="Khmr" typeface="MoolBoran"/>
+        <a:font script="Knda" typeface="Tunga"/>
+        <a:font script="Guru" typeface="Raavi"/>
+        <a:font script="Cans" typeface="Euphemia"/>
+        <a:font script="Cher" typeface="Plantagenet Cherokee"/>
+        <a:font script="Yiii" typeface="Microsoft Yi Baiti"/>
+        <a:font script="Tibt" typeface="Microsoft Himalaya"/>
+        <a:font script="Thaa" typeface="MV Boli"/>
+        <a:font script="Deva" typeface="Mangal"/>
+        <a:font script="Telu" typeface="Gautami"/>
+        <a:font script="Taml" typeface="Latha"/>
+        <a:font script="Syrc" typeface="Estrangelo Edessa"/>
+        <a:font script="Orya" typeface="Kalinga"/>
+        <a:font script="Mlym" typeface="Kartika"/>
+        <a:font script="Laoo" typeface="DokChampa"/>
+        <a:font script="Sinh" typeface="Iskoola Pota"/>
+        <a:font script="Mong" typeface="Mongolian Baiti"/>
+        <a:font script="Viet" typeface="Times New Roman"/>
+        <a:font script="Uigh" typeface="Microsoft Uighur"/>
+        <a:font script="Geor" typeface="Sylfaen"/>
+        <a:font script="Armn" typeface="Arial"/>
+        <a:font script="Bugi" typeface="Leelawadee UI"/>
+        <a:font script="Bopo" typeface="Microsoft JhengHei"/>
+        <a:font script="Java" typeface="Javanese Text"/>
+        <a:font script="Lisu" typeface="Segoe UI"/>
+        <a:font script="Mymr" typeface="Myanmar Text"/>
+        <a:font script="Nkoo" typeface="Ebrima"/>
+        <a:font script="Olck" typeface="Nirmala UI"/>
+        <a:font script="Osma" typeface="Ebrima"/>
+        <a:font script="Phag" typeface="Phagspa"/>
+        <a:font script="Syrn" typeface="Estrangelo Edessa"/>
+        <a:font script="Syrj" typeface="Estrangelo Edessa"/>
+        <a:font script="Syre" typeface="Estrangelo Edessa"/>
+        <a:font script="Sora" typeface="Nirmala UI"/>
+        <a:font script="Tale" typeface="Microsoft Tai Le"/>
+        <a:font script="Talu" typeface="Microsoft New Tai Lue"/>
+        <a:font script="Tfng" typeface="Ebrima"/>
+      </a:majorFont>
+      <a:minorFont>
+        <a:latin typeface="Calibri" panose="020F0502020204030204"/>
+        <a:ea typeface=""/>
+        <a:cs typeface=""/>
+        <a:font script="Jpan" typeface="游ゴシック"/>
+        <a:font script="Hang" typeface="맑은 고딕"/>
+        <a:font script="Hans" typeface="等线"/>
+        <a:font script="Hant" typeface="新細明體"/>
+        <a:font script="Arab" typeface="Arial"/>
+        <a:font script="Hebr" typeface="Arial"/>
+        <a:font script="Thai" typeface="Cordia New"/>
+        <a:font script="Ethi" typeface="Nyala"/>
+        <a:font script="Beng" typeface="Vrinda"/>
+        <a:font script="Gujr" typeface="Shruti"/>
+        <a:font script="Khmr" typeface="DaunPenh"/>
+        <a:font script="Knda" typeface="Tunga"/>
+        <a:font script="Guru" typeface="Raavi"/>
+        <a:font script="Cans" typeface="Euphemia"/>
+        <a:font script="Cher" typeface="Plantagenet Cherokee"/>
+        <a:font script="Yiii" typeface="Microsoft Yi Baiti"/>
+        <a:font script="Tibt" typeface="Microsoft Himalaya"/>
+        <a:font script="Thaa" typeface="MV Boli"/>
+        <a:font script="Deva" typeface="Mangal"/>
+        <a:font script="Telu" typeface="Gautami"/>
+        <a:font script="Taml" typeface="Latha"/>
+        <a:font script="Syrc" typeface="Estrangelo Edessa"/>
+        <a:font script="Orya" typeface="Kalinga"/>
+        <a:font script="Mlym" typeface="Kartika"/>
+        <a:font script="Laoo" typeface="DokChampa"/>
+        <a:font script="Sinh" typeface="Iskoola Pota"/>
+        <a:font script="Mong" typeface="Mongolian Baiti"/>
+        <a:font script="Viet" typeface="Arial"/>
+        <a:font script="Uigh" typeface="Microsoft Uighur"/>
+        <a:font script="Geor" typeface="Sylfaen"/>
+        <a:font script="Armn" typeface="Arial"/>
+        <a:font script="Bugi" typeface="Leelawadee UI"/>
+        <a:font script="Bopo" typeface="Microsoft JhengHei"/>
+        <a:font script="Java" typeface="Javanese Text"/>
+        <a:font script="Lisu" typeface="Segoe UI"/>
+        <a:font script="Mymr" typeface="Myanmar Text"/>
+        <a:font script="Nkoo" typeface="Ebrima"/>
+        <a:font script="Olck" typeface="Nirmala UI"/>
+        <a:font script="Osma" typeface="Ebrima"/>
+        <a:font script="Phag" typeface="Phagspa"/>
+        <a:font script="Syrn" typeface="Estrangelo Edessa"/>
+        <a:font script="Syrj" typeface="Estrangelo Edessa"/>
+        <a:font script="Syre" typeface="Estrangelo Edessa"/>
+        <a:font script="Sora" typeface="Nirmala UI"/>
+        <a:font script="Tale" typeface="Microsoft Tai Le"/>
+        <a:font script="Talu" typeface="Microsoft New Tai Lue"/>
+        <a:font script="Tfng" typeface="Ebrima"/>
+      </a:minorFont>
+    </a:fontScheme>
+    <a:fmtScheme name="Office">
+      <a:fillStyleLst>
+        <a:solidFill>
+          <a:schemeClr val="phClr"/>
+        </a:solidFill>
+        <a:gradFill rotWithShape="1">
+          <a:gsLst>
+            <a:gs pos="0">
+              <a:schemeClr val="phClr">
+                <a:lumMod val="110000"/>
+                <a:satMod val="105000"/>
+                <a:tint val="67000"/>
+              </a:schemeClr>
+            </a:gs>
+            <a:gs pos="50000">
+              <a:schemeClr val="phClr">
+                <a:lumMod val="105000"/>
+                <a:satMod val="103000"/>
+                <a:tint val="73000"/>
+              </a:schemeClr>
+            </a:gs>
+            <a:gs pos="100000">
+              <a:schemeClr val="phClr">
+                <a:lumMod val="105000"/>
+                <a:satMod val="109000"/>
+                <a:tint val="81000"/>
+              </a:schemeClr>
+            </a:gs>
+          </a:gsLst>
+          <a:lin ang="5400000" scaled="0"/>
+        </a:gradFill>
+        <a:gradFill rotWithShape="1">
+          <a:gsLst>
+            <a:gs pos="0">
+              <a:schemeClr val="phClr">
+                <a:satMod val="103000"/>
+                <a:lumMod val="102000"/>
+                <a:tint val="94000"/>
+              </a:schemeClr>
+            </a:gs>
+            <a:gs pos="50000">
+              <a:schemeClr val="phClr">
+                <a:satMod val="110000"/>
+                <a:lumMod val="100000"/>
+                <a:shade val="100000"/>
+              </a:schemeClr>
+            </a:gs>
+            <a:gs pos="100000">
+              <a:schemeClr val="phClr">
+                <a:lumMod val="99000"/>
+                <a:satMod val="120000"/>
+                <a:shade val="78000"/>
+              </a:schemeClr>
+            </a:gs>
+          </a:gsLst>
+          <a:lin ang="5400000" scaled="0"/>
+        </a:gradFill>
+      </a:fillStyleLst>
+      <a:lnStyleLst>
+        <a:ln w="6350" cap="flat" cmpd="sng" algn="ctr">
+          <a:solidFill>
+            <a:schemeClr val="phClr"/>
+          </a:solidFill>
+          <a:prstDash val="solid"/>
+          <a:miter lim="800000"/>
+        </a:ln>
+        <a:ln w="12700" cap="flat" cmpd="sng" algn="ctr">
+          <a:solidFill>
+            <a:schemeClr val="phClr"/>
+          </a:solidFill>
+          <a:prstDash val="solid"/>
+          <a:miter lim="800000"/>
+        </a:ln>
+        <a:ln w="19050" cap="flat" cmpd="sng" algn="ctr">
+          <a:solidFill>
+            <a:schemeClr val="phClr"/>
+          </a:solidFill>
+          <a:prstDash val="solid"/>
+          <a:miter lim="800000"/>
+        </a:ln>
+      </a:lnStyleLst>
+      <a:effectStyleLst>
+        <a:effectStyle>
+          <a:effectLst/>
+        </a:effectStyle>
+        <a:effectStyle>
+          <a:effectLst/>
+        </a:effectStyle>
+        <a:effectStyle>
+          <a:effectLst>
+            <a:outerShdw blurRad="57150" dist="19050" dir="5400000" algn="ctr" rotWithShape="0">
+              <a:srgbClr val="000000">
+                <a:alpha val="63000"/>
+              </a:srgbClr>
+            </a:outerShdw>
+          </a:effectLst>
+        </a:effectStyle>
+      </a:effectStyleLst>
+      <a:bgFillStyleLst>
+        <a:solidFill>
+          <a:schemeClr val="phClr"/>
+        </a:solidFill>
+        <a:solidFill>
+          <a:schemeClr val="phClr">
+            <a:tint val="95000"/>
+            <a:satMod val="170000"/>
+          </a:schemeClr>
+        </a:solidFill>
+        <a:gradFill rotWithShape="1">
+          <a:gsLst>
+            <a:gs pos="0">
+              <a:schemeClr val="phClr">
+                <a:tint val="93000"/>
+                <a:satMod val="150000"/>
+                <a:shade val="98000"/>
+                <a:lumMod val="102000"/>
+              </a:schemeClr>
+            </a:gs>
+            <a:gs pos="50000">
+              <a:schemeClr val="phClr">
+                <a:tint val="98000"/>
+                <a:satMod val="130000"/>
+                <a:shade val="90000"/>
+                <a:lumMod val="103000"/>
+              </a:schemeClr>
+            </a:gs>
+            <a:gs pos="100000">
+              <a:schemeClr val="phClr">
+                <a:shade val="63000"/>
+                <a:satMod val="120000"/>
+              </a:schemeClr>
+            </a:gs>
+          </a:gsLst>
+          <a:lin ang="5400000" scaled="0"/>
+        </a:gradFill>
+      </a:bgFillStyleLst>
+    </a:fmtScheme>
+  </a:themeElements>
+  <a:objectDefaults/>
+  <a:extraClrSchemeLst/>
+  <a:extLst>
+    <a:ext uri="{05A4C25C-085E-4340-85A3-A5531E510DB2}">
+      <thm15:themeFamily xmlns:thm15="http://schemas.microsoft.com/office/thememl/2012/main" name="Office Theme" id="{62F939B6-93AF-4DB8-9C6B-D6C7DFDC589F}" vid="{4A3C46E8-61CC-4603-A589-7422A47A8E4A}"/>
+    </a:ext>
+  </a:extLst>
+</a:theme>
 </file>
--- a/Tableau/Tableau.pptx
+++ b/Tableau/Tableau.pptx
@@ -5,7 +5,7 @@
     <p:sldMasterId id="2147483648" r:id="rId1"/>
   </p:sldMasterIdLst>
   <p:handoutMasterIdLst>
-    <p:handoutMasterId r:id="rId12"/>
+    <p:handoutMasterId r:id="rId14"/>
   </p:handoutMasterIdLst>
   <p:sldIdLst>
     <p:sldId id="256" r:id="rId2"/>
@@ -16,8 +16,10 @@
     <p:sldId id="261" r:id="rId7"/>
     <p:sldId id="262" r:id="rId8"/>
     <p:sldId id="263" r:id="rId9"/>
-    <p:sldId id="264" r:id="rId10"/>
-    <p:sldId id="265" r:id="rId11"/>
+    <p:sldId id="268" r:id="rId10"/>
+    <p:sldId id="264" r:id="rId11"/>
+    <p:sldId id="266" r:id="rId12"/>
+    <p:sldId id="265" r:id="rId13"/>
   </p:sldIdLst>
   <p:sldSz cx="12192000" cy="6858000"/>
   <p:notesSz cx="6858000" cy="9144000"/>
@@ -119,6 +121,9 @@
   <p:extLst>
     <p:ext uri="{EFAFB233-063F-42B5-8137-9DF3F51BA10A}">
       <p15:sldGuideLst xmlns:p15="http://schemas.microsoft.com/office/powerpoint/2012/main"/>
+    </p:ext>
+    <p:ext uri="{2D200454-40CA-4A62-9FC3-DE9A4176ACB9}">
+      <p15:notesGuideLst xmlns:p15="http://schemas.microsoft.com/office/powerpoint/2012/main"/>
     </p:ext>
   </p:extLst>
 </p:presentation>
@@ -3107,7 +3112,7 @@
           <a:p>
             <a:fld id="{5D05F7C6-F697-4ABD-BE2F-A0C76FBA6BCD}" type="datetimeFigureOut">
               <a:rPr lang="en-US" smtClean="0"/>
-              <a:t>3/27/2022</a:t>
+              <a:t>3/31/2022</a:t>
             </a:fld>
             <a:endParaRPr lang="en-US"/>
           </a:p>
@@ -3349,7 +3354,7 @@
           <a:p>
             <a:fld id="{4314A5D9-376B-4BD8-823F-3F4E2E518D11}" type="datetimeFigureOut">
               <a:rPr lang="en-US" smtClean="0"/>
-              <a:t>3/27/2022</a:t>
+              <a:t>3/31/2022</a:t>
             </a:fld>
             <a:endParaRPr lang="en-US"/>
           </a:p>
@@ -3547,7 +3552,7 @@
           <a:p>
             <a:fld id="{4314A5D9-376B-4BD8-823F-3F4E2E518D11}" type="datetimeFigureOut">
               <a:rPr lang="en-US" smtClean="0"/>
-              <a:t>3/27/2022</a:t>
+              <a:t>3/31/2022</a:t>
             </a:fld>
             <a:endParaRPr lang="en-US"/>
           </a:p>
@@ -3755,7 +3760,7 @@
           <a:p>
             <a:fld id="{4314A5D9-376B-4BD8-823F-3F4E2E518D11}" type="datetimeFigureOut">
               <a:rPr lang="en-US" smtClean="0"/>
-              <a:t>3/27/2022</a:t>
+              <a:t>3/31/2022</a:t>
             </a:fld>
             <a:endParaRPr lang="en-US"/>
           </a:p>
@@ -3953,7 +3958,7 @@
           <a:p>
             <a:fld id="{4314A5D9-376B-4BD8-823F-3F4E2E518D11}" type="datetimeFigureOut">
               <a:rPr lang="en-US" smtClean="0"/>
-              <a:t>3/27/2022</a:t>
+              <a:t>3/31/2022</a:t>
             </a:fld>
             <a:endParaRPr lang="en-US"/>
           </a:p>
@@ -4228,7 +4233,7 @@
           <a:p>
             <a:fld id="{4314A5D9-376B-4BD8-823F-3F4E2E518D11}" type="datetimeFigureOut">
               <a:rPr lang="en-US" smtClean="0"/>
-              <a:t>3/27/2022</a:t>
+              <a:t>3/31/2022</a:t>
             </a:fld>
             <a:endParaRPr lang="en-US"/>
           </a:p>
@@ -4493,7 +4498,7 @@
           <a:p>
             <a:fld id="{4314A5D9-376B-4BD8-823F-3F4E2E518D11}" type="datetimeFigureOut">
               <a:rPr lang="en-US" smtClean="0"/>
-              <a:t>3/27/2022</a:t>
+              <a:t>3/31/2022</a:t>
             </a:fld>
             <a:endParaRPr lang="en-US"/>
           </a:p>
@@ -4905,7 +4910,7 @@
           <a:p>
             <a:fld id="{4314A5D9-376B-4BD8-823F-3F4E2E518D11}" type="datetimeFigureOut">
               <a:rPr lang="en-US" smtClean="0"/>
-              <a:t>3/27/2022</a:t>
+              <a:t>3/31/2022</a:t>
             </a:fld>
             <a:endParaRPr lang="en-US"/>
           </a:p>
@@ -5046,7 +5051,7 @@
           <a:p>
             <a:fld id="{4314A5D9-376B-4BD8-823F-3F4E2E518D11}" type="datetimeFigureOut">
               <a:rPr lang="en-US" smtClean="0"/>
-              <a:t>3/27/2022</a:t>
+              <a:t>3/31/2022</a:t>
             </a:fld>
             <a:endParaRPr lang="en-US"/>
           </a:p>
@@ -5159,7 +5164,7 @@
           <a:p>
             <a:fld id="{4314A5D9-376B-4BD8-823F-3F4E2E518D11}" type="datetimeFigureOut">
               <a:rPr lang="en-US" smtClean="0"/>
-              <a:t>3/27/2022</a:t>
+              <a:t>3/31/2022</a:t>
             </a:fld>
             <a:endParaRPr lang="en-US"/>
           </a:p>
@@ -5470,7 +5475,7 @@
           <a:p>
             <a:fld id="{4314A5D9-376B-4BD8-823F-3F4E2E518D11}" type="datetimeFigureOut">
               <a:rPr lang="en-US" smtClean="0"/>
-              <a:t>3/27/2022</a:t>
+              <a:t>3/31/2022</a:t>
             </a:fld>
             <a:endParaRPr lang="en-US"/>
           </a:p>
@@ -5758,7 +5763,7 @@
           <a:p>
             <a:fld id="{4314A5D9-376B-4BD8-823F-3F4E2E518D11}" type="datetimeFigureOut">
               <a:rPr lang="en-US" smtClean="0"/>
-              <a:t>3/27/2022</a:t>
+              <a:t>3/31/2022</a:t>
             </a:fld>
             <a:endParaRPr lang="en-US"/>
           </a:p>
@@ -6002,7 +6007,7 @@
           <a:p>
             <a:fld id="{4314A5D9-376B-4BD8-823F-3F4E2E518D11}" type="datetimeFigureOut">
               <a:rPr lang="en-US" smtClean="0"/>
-              <a:t>3/27/2022</a:t>
+              <a:t>3/31/2022</a:t>
             </a:fld>
             <a:endParaRPr lang="en-US"/>
           </a:p>
@@ -6100,10 +6105,10 @@
       </p:sp>
       <p:pic>
         <p:nvPicPr>
-          <p:cNvPr id="8" name="Picture 7" descr="Text&#10;&#10;Description automatically generated">
-            <a:extLst>
-              <a:ext uri="{FF2B5EF4-FFF2-40B4-BE49-F238E27FC236}">
-                <a16:creationId xmlns:a16="http://schemas.microsoft.com/office/drawing/2014/main" id="{CF9E42CA-9AFC-47EF-A211-DBD2221BE41C}"/>
+          <p:cNvPr id="9" name="Picture 8">
+            <a:extLst>
+              <a:ext uri="{FF2B5EF4-FFF2-40B4-BE49-F238E27FC236}">
+                <a16:creationId xmlns:a16="http://schemas.microsoft.com/office/drawing/2014/main" id="{BE082E93-9736-4BEE-A52F-39771D83833C}"/>
               </a:ext>
             </a:extLst>
           </p:cNvPr>
@@ -6113,21 +6118,15 @@
           <p:nvPr userDrawn="1"/>
         </p:nvPicPr>
         <p:blipFill>
-          <a:blip r:embed="rId13">
-            <a:extLst>
-              <a:ext uri="{28A0092B-C50C-407E-A947-70E740481C1C}">
-                <a14:useLocalDpi xmlns:a14="http://schemas.microsoft.com/office/drawing/2010/main" val="0"/>
-              </a:ext>
-            </a:extLst>
-          </a:blip>
+          <a:blip r:embed="rId13"/>
           <a:stretch>
             <a:fillRect/>
           </a:stretch>
         </p:blipFill>
         <p:spPr>
           <a:xfrm>
-            <a:off x="10732655" y="435816"/>
-            <a:ext cx="996084" cy="261529"/>
+            <a:off x="10564177" y="223837"/>
+            <a:ext cx="1304925" cy="457200"/>
           </a:xfrm>
           <a:prstGeom prst="rect">
             <a:avLst/>
@@ -6544,6 +6543,182 @@
           <a:p>
             <a:r>
               <a:rPr lang="en-US" dirty="0"/>
+              <a:t>Publishing</a:t>
+            </a:r>
+          </a:p>
+        </p:txBody>
+      </p:sp>
+      <p:pic>
+        <p:nvPicPr>
+          <p:cNvPr id="5" name="Picture 4">
+            <a:extLst>
+              <a:ext uri="{FF2B5EF4-FFF2-40B4-BE49-F238E27FC236}">
+                <a16:creationId xmlns:a16="http://schemas.microsoft.com/office/drawing/2014/main" id="{CB9B5030-C56A-40B8-B39B-7B5FF7E7EAF4}"/>
+              </a:ext>
+            </a:extLst>
+          </p:cNvPr>
+          <p:cNvPicPr>
+            <a:picLocks noChangeAspect="1"/>
+          </p:cNvPicPr>
+          <p:nvPr/>
+        </p:nvPicPr>
+        <p:blipFill>
+          <a:blip r:embed="rId2"/>
+          <a:stretch>
+            <a:fillRect/>
+          </a:stretch>
+        </p:blipFill>
+        <p:spPr>
+          <a:xfrm>
+            <a:off x="1610905" y="1739900"/>
+            <a:ext cx="8601075" cy="4752975"/>
+          </a:xfrm>
+          <a:prstGeom prst="rect">
+            <a:avLst/>
+          </a:prstGeom>
+        </p:spPr>
+      </p:pic>
+    </p:spTree>
+    <p:extLst>
+      <p:ext uri="{BB962C8B-B14F-4D97-AF65-F5344CB8AC3E}">
+        <p14:creationId xmlns:p14="http://schemas.microsoft.com/office/powerpoint/2010/main" val="690200921"/>
+      </p:ext>
+    </p:extLst>
+  </p:cSld>
+  <p:clrMapOvr>
+    <a:masterClrMapping/>
+  </p:clrMapOvr>
+</p:sld>
+</file>
+
+<file path=ppt/slides/slide11.xml><?xml version="1.0" encoding="utf-8"?>
+<p:sld xmlns:a="http://schemas.openxmlformats.org/drawingml/2006/main" xmlns:r="http://schemas.openxmlformats.org/officeDocument/2006/relationships" xmlns:p="http://schemas.openxmlformats.org/presentationml/2006/main">
+  <p:cSld>
+    <p:spTree>
+      <p:nvGrpSpPr>
+        <p:cNvPr id="1" name=""/>
+        <p:cNvGrpSpPr/>
+        <p:nvPr/>
+      </p:nvGrpSpPr>
+      <p:grpSpPr>
+        <a:xfrm>
+          <a:off x="0" y="0"/>
+          <a:ext cx="0" cy="0"/>
+          <a:chOff x="0" y="0"/>
+          <a:chExt cx="0" cy="0"/>
+        </a:xfrm>
+      </p:grpSpPr>
+      <p:sp>
+        <p:nvSpPr>
+          <p:cNvPr id="2" name="Title 1">
+            <a:extLst>
+              <a:ext uri="{FF2B5EF4-FFF2-40B4-BE49-F238E27FC236}">
+                <a16:creationId xmlns:a16="http://schemas.microsoft.com/office/drawing/2014/main" id="{52845BA1-25B4-486F-A9BD-C5EF821FFD92}"/>
+              </a:ext>
+            </a:extLst>
+          </p:cNvPr>
+          <p:cNvSpPr>
+            <a:spLocks noGrp="1"/>
+          </p:cNvSpPr>
+          <p:nvPr>
+            <p:ph type="title"/>
+          </p:nvPr>
+        </p:nvSpPr>
+        <p:spPr/>
+        <p:txBody>
+          <a:bodyPr/>
+          <a:lstStyle/>
+          <a:p>
+            <a:r>
+              <a:rPr lang="en-US" dirty="0"/>
+              <a:t>Online Views</a:t>
+            </a:r>
+          </a:p>
+        </p:txBody>
+      </p:sp>
+      <p:pic>
+        <p:nvPicPr>
+          <p:cNvPr id="4" name="Picture 3">
+            <a:extLst>
+              <a:ext uri="{FF2B5EF4-FFF2-40B4-BE49-F238E27FC236}">
+                <a16:creationId xmlns:a16="http://schemas.microsoft.com/office/drawing/2014/main" id="{8F1ED78C-5F23-4D24-90CA-9AEBF78C531B}"/>
+              </a:ext>
+            </a:extLst>
+          </p:cNvPr>
+          <p:cNvPicPr>
+            <a:picLocks noChangeAspect="1"/>
+          </p:cNvPicPr>
+          <p:nvPr/>
+        </p:nvPicPr>
+        <p:blipFill>
+          <a:blip r:embed="rId2"/>
+          <a:stretch>
+            <a:fillRect/>
+          </a:stretch>
+        </p:blipFill>
+        <p:spPr>
+          <a:xfrm>
+            <a:off x="1018738" y="1293258"/>
+            <a:ext cx="10020300" cy="5076825"/>
+          </a:xfrm>
+          <a:prstGeom prst="rect">
+            <a:avLst/>
+          </a:prstGeom>
+        </p:spPr>
+      </p:pic>
+    </p:spTree>
+    <p:extLst>
+      <p:ext uri="{BB962C8B-B14F-4D97-AF65-F5344CB8AC3E}">
+        <p14:creationId xmlns:p14="http://schemas.microsoft.com/office/powerpoint/2010/main" val="520595556"/>
+      </p:ext>
+    </p:extLst>
+  </p:cSld>
+  <p:clrMapOvr>
+    <a:masterClrMapping/>
+  </p:clrMapOvr>
+</p:sld>
+</file>
+
+<file path=ppt/slides/slide12.xml><?xml version="1.0" encoding="utf-8"?>
+<p:sld xmlns:a="http://schemas.openxmlformats.org/drawingml/2006/main" xmlns:r="http://schemas.openxmlformats.org/officeDocument/2006/relationships" xmlns:p="http://schemas.openxmlformats.org/presentationml/2006/main">
+  <p:cSld>
+    <p:spTree>
+      <p:nvGrpSpPr>
+        <p:cNvPr id="1" name=""/>
+        <p:cNvGrpSpPr/>
+        <p:nvPr/>
+      </p:nvGrpSpPr>
+      <p:grpSpPr>
+        <a:xfrm>
+          <a:off x="0" y="0"/>
+          <a:ext cx="0" cy="0"/>
+          <a:chOff x="0" y="0"/>
+          <a:chExt cx="0" cy="0"/>
+        </a:xfrm>
+      </p:grpSpPr>
+      <p:sp>
+        <p:nvSpPr>
+          <p:cNvPr id="2" name="Title 1">
+            <a:extLst>
+              <a:ext uri="{FF2B5EF4-FFF2-40B4-BE49-F238E27FC236}">
+                <a16:creationId xmlns:a16="http://schemas.microsoft.com/office/drawing/2014/main" id="{52845BA1-25B4-486F-A9BD-C5EF821FFD92}"/>
+              </a:ext>
+            </a:extLst>
+          </p:cNvPr>
+          <p:cNvSpPr>
+            <a:spLocks noGrp="1"/>
+          </p:cNvSpPr>
+          <p:nvPr>
+            <p:ph type="title"/>
+          </p:nvPr>
+        </p:nvSpPr>
+        <p:spPr/>
+        <p:txBody>
+          <a:bodyPr/>
+          <a:lstStyle/>
+          <a:p>
+            <a:r>
+              <a:rPr lang="en-US" dirty="0"/>
               <a:t>Live Example</a:t>
             </a:r>
           </a:p>
@@ -8407,6 +8582,137 @@
           </a:prstGeom>
         </p:spPr>
       </p:pic>
+      <p:sp>
+        <p:nvSpPr>
+          <p:cNvPr id="6" name="Rectangle: Rounded Corners 5">
+            <a:extLst>
+              <a:ext uri="{FF2B5EF4-FFF2-40B4-BE49-F238E27FC236}">
+                <a16:creationId xmlns:a16="http://schemas.microsoft.com/office/drawing/2014/main" id="{4267C87D-9F7D-44B0-A9AA-28C94F174C11}"/>
+              </a:ext>
+            </a:extLst>
+          </p:cNvPr>
+          <p:cNvSpPr/>
+          <p:nvPr/>
+        </p:nvSpPr>
+        <p:spPr>
+          <a:xfrm>
+            <a:off x="689676" y="1960773"/>
+            <a:ext cx="1600942" cy="4052249"/>
+          </a:xfrm>
+          <a:prstGeom prst="roundRect">
+            <a:avLst/>
+          </a:prstGeom>
+          <a:noFill/>
+          <a:ln w="28575">
+            <a:solidFill>
+              <a:srgbClr val="FF0000"/>
+            </a:solidFill>
+          </a:ln>
+        </p:spPr>
+        <p:style>
+          <a:lnRef idx="2">
+            <a:schemeClr val="accent1">
+              <a:shade val="50000"/>
+            </a:schemeClr>
+          </a:lnRef>
+          <a:fillRef idx="1">
+            <a:schemeClr val="accent1"/>
+          </a:fillRef>
+          <a:effectRef idx="0">
+            <a:schemeClr val="accent1"/>
+          </a:effectRef>
+          <a:fontRef idx="minor">
+            <a:schemeClr val="lt1"/>
+          </a:fontRef>
+        </p:style>
+        <p:txBody>
+          <a:bodyPr rtlCol="0" anchor="ctr"/>
+          <a:lstStyle/>
+          <a:p>
+            <a:pPr algn="ctr"/>
+            <a:endParaRPr lang="en-US"/>
+          </a:p>
+        </p:txBody>
+      </p:sp>
+      <p:sp>
+        <p:nvSpPr>
+          <p:cNvPr id="3" name="Left Brace 2">
+            <a:extLst>
+              <a:ext uri="{FF2B5EF4-FFF2-40B4-BE49-F238E27FC236}">
+                <a16:creationId xmlns:a16="http://schemas.microsoft.com/office/drawing/2014/main" id="{4C8DDDC8-1A93-4F28-9D54-AE4A12C5EB6A}"/>
+              </a:ext>
+            </a:extLst>
+          </p:cNvPr>
+          <p:cNvSpPr/>
+          <p:nvPr/>
+        </p:nvSpPr>
+        <p:spPr>
+          <a:xfrm>
+            <a:off x="6206836" y="2142836"/>
+            <a:ext cx="413472" cy="3452091"/>
+          </a:xfrm>
+          <a:prstGeom prst="leftBrace">
+            <a:avLst/>
+          </a:prstGeom>
+        </p:spPr>
+        <p:style>
+          <a:lnRef idx="1">
+            <a:schemeClr val="accent1"/>
+          </a:lnRef>
+          <a:fillRef idx="0">
+            <a:schemeClr val="accent1"/>
+          </a:fillRef>
+          <a:effectRef idx="0">
+            <a:schemeClr val="accent1"/>
+          </a:effectRef>
+          <a:fontRef idx="minor">
+            <a:schemeClr val="tx1"/>
+          </a:fontRef>
+        </p:style>
+        <p:txBody>
+          <a:bodyPr rtlCol="0" anchor="ctr"/>
+          <a:lstStyle/>
+          <a:p>
+            <a:pPr algn="ctr"/>
+            <a:endParaRPr lang="en-US"/>
+          </a:p>
+        </p:txBody>
+      </p:sp>
+      <p:sp>
+        <p:nvSpPr>
+          <p:cNvPr id="8" name="TextBox 7">
+            <a:extLst>
+              <a:ext uri="{FF2B5EF4-FFF2-40B4-BE49-F238E27FC236}">
+                <a16:creationId xmlns:a16="http://schemas.microsoft.com/office/drawing/2014/main" id="{8BBBF1EC-B670-4C58-BD1C-F94566129F95}"/>
+              </a:ext>
+            </a:extLst>
+          </p:cNvPr>
+          <p:cNvSpPr txBox="1"/>
+          <p:nvPr/>
+        </p:nvSpPr>
+        <p:spPr>
+          <a:xfrm>
+            <a:off x="5065794" y="3745076"/>
+            <a:ext cx="1245236" cy="230832"/>
+          </a:xfrm>
+          <a:prstGeom prst="rect">
+            <a:avLst/>
+          </a:prstGeom>
+          <a:noFill/>
+        </p:spPr>
+        <p:txBody>
+          <a:bodyPr wrap="square" rtlCol="0">
+            <a:spAutoFit/>
+          </a:bodyPr>
+          <a:lstStyle/>
+          <a:p>
+            <a:r>
+              <a:rPr lang="en-US" sz="900" i="1" dirty="0"/>
+              <a:t>Aliases for ugly names</a:t>
+            </a:r>
+          </a:p>
+        </p:txBody>
+      </p:sp>
     </p:spTree>
     <p:extLst>
       <p:ext uri="{BB962C8B-B14F-4D97-AF65-F5344CB8AC3E}">
@@ -8442,7 +8748,7 @@
           <p:cNvPr id="2" name="Title 1">
             <a:extLst>
               <a:ext uri="{FF2B5EF4-FFF2-40B4-BE49-F238E27FC236}">
-                <a16:creationId xmlns:a16="http://schemas.microsoft.com/office/drawing/2014/main" id="{52845BA1-25B4-486F-A9BD-C5EF821FFD92}"/>
+                <a16:creationId xmlns:a16="http://schemas.microsoft.com/office/drawing/2014/main" id="{F45CCCB1-C11A-4882-8CD9-3DCB576FB910}"/>
               </a:ext>
             </a:extLst>
           </p:cNvPr>
@@ -8460,17 +8766,17 @@
           <a:p>
             <a:r>
               <a:rPr lang="en-US" dirty="0"/>
-              <a:t>Publishing</a:t>
+              <a:t>Dashboards</a:t>
             </a:r>
           </a:p>
         </p:txBody>
       </p:sp>
       <p:pic>
         <p:nvPicPr>
-          <p:cNvPr id="5" name="Picture 4">
-            <a:extLst>
-              <a:ext uri="{FF2B5EF4-FFF2-40B4-BE49-F238E27FC236}">
-                <a16:creationId xmlns:a16="http://schemas.microsoft.com/office/drawing/2014/main" id="{CB9B5030-C56A-40B8-B39B-7B5FF7E7EAF4}"/>
+          <p:cNvPr id="4" name="Picture 3">
+            <a:extLst>
+              <a:ext uri="{FF2B5EF4-FFF2-40B4-BE49-F238E27FC236}">
+                <a16:creationId xmlns:a16="http://schemas.microsoft.com/office/drawing/2014/main" id="{C27B9649-D9E8-419A-9FF6-C761E4A82EE6}"/>
               </a:ext>
             </a:extLst>
           </p:cNvPr>
@@ -8487,18 +8793,70 @@
         </p:blipFill>
         <p:spPr>
           <a:xfrm>
-            <a:off x="1610905" y="1739900"/>
-            <a:ext cx="8601075" cy="4752975"/>
+            <a:off x="891309" y="1690688"/>
+            <a:ext cx="10409382" cy="4120251"/>
           </a:xfrm>
           <a:prstGeom prst="rect">
             <a:avLst/>
           </a:prstGeom>
         </p:spPr>
       </p:pic>
+      <p:sp>
+        <p:nvSpPr>
+          <p:cNvPr id="8" name="Rectangle: Rounded Corners 7">
+            <a:extLst>
+              <a:ext uri="{FF2B5EF4-FFF2-40B4-BE49-F238E27FC236}">
+                <a16:creationId xmlns:a16="http://schemas.microsoft.com/office/drawing/2014/main" id="{B2CFB049-9E75-410A-A72C-A54E9B946AA1}"/>
+              </a:ext>
+            </a:extLst>
+          </p:cNvPr>
+          <p:cNvSpPr/>
+          <p:nvPr/>
+        </p:nvSpPr>
+        <p:spPr>
+          <a:xfrm>
+            <a:off x="891309" y="1690688"/>
+            <a:ext cx="1300755" cy="2142403"/>
+          </a:xfrm>
+          <a:prstGeom prst="roundRect">
+            <a:avLst/>
+          </a:prstGeom>
+          <a:noFill/>
+          <a:ln w="28575">
+            <a:solidFill>
+              <a:srgbClr val="FF0000"/>
+            </a:solidFill>
+          </a:ln>
+        </p:spPr>
+        <p:style>
+          <a:lnRef idx="2">
+            <a:schemeClr val="accent1">
+              <a:shade val="50000"/>
+            </a:schemeClr>
+          </a:lnRef>
+          <a:fillRef idx="1">
+            <a:schemeClr val="accent1"/>
+          </a:fillRef>
+          <a:effectRef idx="0">
+            <a:schemeClr val="accent1"/>
+          </a:effectRef>
+          <a:fontRef idx="minor">
+            <a:schemeClr val="lt1"/>
+          </a:fontRef>
+        </p:style>
+        <p:txBody>
+          <a:bodyPr rtlCol="0" anchor="ctr"/>
+          <a:lstStyle/>
+          <a:p>
+            <a:pPr algn="ctr"/>
+            <a:endParaRPr lang="en-US"/>
+          </a:p>
+        </p:txBody>
+      </p:sp>
     </p:spTree>
     <p:extLst>
       <p:ext uri="{BB962C8B-B14F-4D97-AF65-F5344CB8AC3E}">
-        <p14:creationId xmlns:p14="http://schemas.microsoft.com/office/powerpoint/2010/main" val="690200921"/>
+        <p14:creationId xmlns:p14="http://schemas.microsoft.com/office/powerpoint/2010/main" val="581594486"/>
       </p:ext>
     </p:extLst>
   </p:cSld>
